--- a/Presentation/Quest Hunt.pptx
+++ b/Presentation/Quest Hunt.pptx
@@ -9,8 +9,8 @@
   </p:notesMasterIdLst>
   <p:sldIdLst>
     <p:sldId id="256" r:id="rId2"/>
-    <p:sldId id="257" r:id="rId3"/>
-    <p:sldId id="266" r:id="rId4"/>
+    <p:sldId id="266" r:id="rId3"/>
+    <p:sldId id="257" r:id="rId4"/>
     <p:sldId id="258" r:id="rId5"/>
     <p:sldId id="259" r:id="rId6"/>
     <p:sldId id="260" r:id="rId7"/>
@@ -9039,191 +9039,6 @@
   <p:cSld>
     <p:spTree>
       <p:nvGrpSpPr>
-        <p:cNvPr id="1" name="Shape 139"/>
-        <p:cNvGrpSpPr/>
-        <p:nvPr/>
-      </p:nvGrpSpPr>
-      <p:grpSpPr>
-        <a:xfrm>
-          <a:off x="0" y="0"/>
-          <a:ext cx="0" cy="0"/>
-          <a:chOff x="0" y="0"/>
-          <a:chExt cx="0" cy="0"/>
-        </a:xfrm>
-      </p:grpSpPr>
-      <p:sp>
-        <p:nvSpPr>
-          <p:cNvPr id="140" name="Google Shape;140;p14"/>
-          <p:cNvSpPr txBox="1">
-            <a:spLocks noGrp="1"/>
-          </p:cNvSpPr>
-          <p:nvPr>
-            <p:ph type="title"/>
-          </p:nvPr>
-        </p:nvSpPr>
-        <p:spPr>
-          <a:xfrm>
-            <a:off x="1297500" y="393750"/>
-            <a:ext cx="7038900" cy="914100"/>
-          </a:xfrm>
-          <a:prstGeom prst="rect">
-            <a:avLst/>
-          </a:prstGeom>
-        </p:spPr>
-        <p:txBody>
-          <a:bodyPr spcFirstLastPara="1" wrap="square" lIns="91425" tIns="91425" rIns="91425" bIns="91425" anchor="t" anchorCtr="0">
-            <a:normAutofit/>
-          </a:bodyPr>
-          <a:lstStyle/>
-          <a:p>
-            <a:pPr marL="0" lvl="0" indent="0" algn="l" rtl="0">
-              <a:spcBef>
-                <a:spcPts val="0"/>
-              </a:spcBef>
-              <a:spcAft>
-                <a:spcPts val="0"/>
-              </a:spcAft>
-              <a:buNone/>
-            </a:pPr>
-            <a:r>
-              <a:rPr lang="en"/>
-              <a:t>Objective</a:t>
-            </a:r>
-            <a:endParaRPr/>
-          </a:p>
-        </p:txBody>
-      </p:sp>
-      <p:sp>
-        <p:nvSpPr>
-          <p:cNvPr id="141" name="Google Shape;141;p14"/>
-          <p:cNvSpPr txBox="1">
-            <a:spLocks noGrp="1"/>
-          </p:cNvSpPr>
-          <p:nvPr>
-            <p:ph type="body" idx="1"/>
-          </p:nvPr>
-        </p:nvSpPr>
-        <p:spPr>
-          <a:xfrm>
-            <a:off x="1297500" y="1567550"/>
-            <a:ext cx="7038900" cy="2911200"/>
-          </a:xfrm>
-          <a:prstGeom prst="rect">
-            <a:avLst/>
-          </a:prstGeom>
-        </p:spPr>
-        <p:txBody>
-          <a:bodyPr spcFirstLastPara="1" wrap="square" lIns="91425" tIns="91425" rIns="91425" bIns="91425" anchor="t" anchorCtr="0">
-            <a:normAutofit/>
-          </a:bodyPr>
-          <a:lstStyle/>
-          <a:p>
-            <a:pPr marL="457200" lvl="0" indent="-349250" algn="l" rtl="0">
-              <a:spcBef>
-                <a:spcPts val="0"/>
-              </a:spcBef>
-              <a:spcAft>
-                <a:spcPts val="0"/>
-              </a:spcAft>
-              <a:buSzPts val="1900"/>
-              <a:buChar char="●"/>
-            </a:pPr>
-            <a:r>
-              <a:rPr lang="en" sz="1900"/>
-              <a:t>To understand the full stack application development</a:t>
-            </a:r>
-            <a:endParaRPr sz="1900"/>
-          </a:p>
-          <a:p>
-            <a:pPr marL="457200" lvl="0" indent="-349250" algn="l" rtl="0">
-              <a:spcBef>
-                <a:spcPts val="0"/>
-              </a:spcBef>
-              <a:spcAft>
-                <a:spcPts val="0"/>
-              </a:spcAft>
-              <a:buSzPts val="1900"/>
-              <a:buChar char="●"/>
-            </a:pPr>
-            <a:r>
-              <a:rPr lang="en" sz="1900"/>
-              <a:t>Playing a quest game where it has two colors</a:t>
-            </a:r>
-            <a:endParaRPr sz="1900"/>
-          </a:p>
-          <a:p>
-            <a:pPr marL="457200" lvl="0" indent="-349250" algn="l" rtl="0">
-              <a:spcBef>
-                <a:spcPts val="0"/>
-              </a:spcBef>
-              <a:spcAft>
-                <a:spcPts val="0"/>
-              </a:spcAft>
-              <a:buSzPts val="1900"/>
-              <a:buChar char="●"/>
-            </a:pPr>
-            <a:r>
-              <a:rPr lang="en" sz="1900"/>
-              <a:t>When the user touches the first color, it would request a valid location.</a:t>
-            </a:r>
-            <a:endParaRPr sz="1900"/>
-          </a:p>
-          <a:p>
-            <a:pPr marL="457200" lvl="0" indent="-349250" algn="l" rtl="0">
-              <a:spcBef>
-                <a:spcPts val="0"/>
-              </a:spcBef>
-              <a:spcAft>
-                <a:spcPts val="0"/>
-              </a:spcAft>
-              <a:buSzPts val="1900"/>
-              <a:buChar char="●"/>
-            </a:pPr>
-            <a:r>
-              <a:rPr lang="en" sz="1900"/>
-              <a:t>And by touching the second color, the user gets information whether they have reached the quest.</a:t>
-            </a:r>
-            <a:endParaRPr sz="1900"/>
-          </a:p>
-          <a:p>
-            <a:pPr marL="0" lvl="0" indent="0" algn="l" rtl="0">
-              <a:spcBef>
-                <a:spcPts val="1200"/>
-              </a:spcBef>
-              <a:spcAft>
-                <a:spcPts val="0"/>
-              </a:spcAft>
-              <a:buNone/>
-            </a:pPr>
-            <a:endParaRPr/>
-          </a:p>
-          <a:p>
-            <a:pPr marL="0" lvl="0" indent="0" algn="l" rtl="0">
-              <a:spcBef>
-                <a:spcPts val="1200"/>
-              </a:spcBef>
-              <a:spcAft>
-                <a:spcPts val="1200"/>
-              </a:spcAft>
-              <a:buNone/>
-            </a:pPr>
-            <a:endParaRPr/>
-          </a:p>
-        </p:txBody>
-      </p:sp>
-    </p:spTree>
-  </p:cSld>
-  <p:clrMapOvr>
-    <a:masterClrMapping/>
-  </p:clrMapOvr>
-</p:sld>
-</file>
-
-<file path=ppt/slides/slide3.xml><?xml version="1.0" encoding="utf-8"?>
-<p:sld xmlns:a="http://schemas.openxmlformats.org/drawingml/2006/main" xmlns:r="http://schemas.openxmlformats.org/officeDocument/2006/relationships" xmlns:p="http://schemas.openxmlformats.org/presentationml/2006/main">
-  <p:cSld>
-    <p:spTree>
-      <p:nvGrpSpPr>
         <p:cNvPr id="1" name=""/>
         <p:cNvGrpSpPr/>
         <p:nvPr/>
@@ -9449,6 +9264,191 @@
         <p14:creationId xmlns:p14="http://schemas.microsoft.com/office/powerpoint/2010/main" val="1182631360"/>
       </p:ext>
     </p:extLst>
+  </p:cSld>
+  <p:clrMapOvr>
+    <a:masterClrMapping/>
+  </p:clrMapOvr>
+</p:sld>
+</file>
+
+<file path=ppt/slides/slide3.xml><?xml version="1.0" encoding="utf-8"?>
+<p:sld xmlns:a="http://schemas.openxmlformats.org/drawingml/2006/main" xmlns:r="http://schemas.openxmlformats.org/officeDocument/2006/relationships" xmlns:p="http://schemas.openxmlformats.org/presentationml/2006/main">
+  <p:cSld>
+    <p:spTree>
+      <p:nvGrpSpPr>
+        <p:cNvPr id="1" name="Shape 139"/>
+        <p:cNvGrpSpPr/>
+        <p:nvPr/>
+      </p:nvGrpSpPr>
+      <p:grpSpPr>
+        <a:xfrm>
+          <a:off x="0" y="0"/>
+          <a:ext cx="0" cy="0"/>
+          <a:chOff x="0" y="0"/>
+          <a:chExt cx="0" cy="0"/>
+        </a:xfrm>
+      </p:grpSpPr>
+      <p:sp>
+        <p:nvSpPr>
+          <p:cNvPr id="140" name="Google Shape;140;p14"/>
+          <p:cNvSpPr txBox="1">
+            <a:spLocks noGrp="1"/>
+          </p:cNvSpPr>
+          <p:nvPr>
+            <p:ph type="title"/>
+          </p:nvPr>
+        </p:nvSpPr>
+        <p:spPr>
+          <a:xfrm>
+            <a:off x="1297500" y="393750"/>
+            <a:ext cx="7038900" cy="914100"/>
+          </a:xfrm>
+          <a:prstGeom prst="rect">
+            <a:avLst/>
+          </a:prstGeom>
+        </p:spPr>
+        <p:txBody>
+          <a:bodyPr spcFirstLastPara="1" wrap="square" lIns="91425" tIns="91425" rIns="91425" bIns="91425" anchor="t" anchorCtr="0">
+            <a:normAutofit/>
+          </a:bodyPr>
+          <a:lstStyle/>
+          <a:p>
+            <a:pPr marL="0" lvl="0" indent="0" algn="l" rtl="0">
+              <a:spcBef>
+                <a:spcPts val="0"/>
+              </a:spcBef>
+              <a:spcAft>
+                <a:spcPts val="0"/>
+              </a:spcAft>
+              <a:buNone/>
+            </a:pPr>
+            <a:r>
+              <a:rPr lang="en"/>
+              <a:t>Objective</a:t>
+            </a:r>
+            <a:endParaRPr/>
+          </a:p>
+        </p:txBody>
+      </p:sp>
+      <p:sp>
+        <p:nvSpPr>
+          <p:cNvPr id="141" name="Google Shape;141;p14"/>
+          <p:cNvSpPr txBox="1">
+            <a:spLocks noGrp="1"/>
+          </p:cNvSpPr>
+          <p:nvPr>
+            <p:ph type="body" idx="1"/>
+          </p:nvPr>
+        </p:nvSpPr>
+        <p:spPr>
+          <a:xfrm>
+            <a:off x="1297500" y="1567550"/>
+            <a:ext cx="7038900" cy="2911200"/>
+          </a:xfrm>
+          <a:prstGeom prst="rect">
+            <a:avLst/>
+          </a:prstGeom>
+        </p:spPr>
+        <p:txBody>
+          <a:bodyPr spcFirstLastPara="1" wrap="square" lIns="91425" tIns="91425" rIns="91425" bIns="91425" anchor="t" anchorCtr="0">
+            <a:normAutofit/>
+          </a:bodyPr>
+          <a:lstStyle/>
+          <a:p>
+            <a:pPr marL="457200" lvl="0" indent="-349250" algn="l" rtl="0">
+              <a:spcBef>
+                <a:spcPts val="0"/>
+              </a:spcBef>
+              <a:spcAft>
+                <a:spcPts val="0"/>
+              </a:spcAft>
+              <a:buSzPts val="1900"/>
+              <a:buChar char="●"/>
+            </a:pPr>
+            <a:r>
+              <a:rPr lang="en" sz="1900" dirty="0"/>
+              <a:t>To understand the full stack application development</a:t>
+            </a:r>
+            <a:endParaRPr sz="1900" dirty="0"/>
+          </a:p>
+          <a:p>
+            <a:pPr marL="457200" lvl="0" indent="-349250" algn="l" rtl="0">
+              <a:spcBef>
+                <a:spcPts val="0"/>
+              </a:spcBef>
+              <a:spcAft>
+                <a:spcPts val="0"/>
+              </a:spcAft>
+              <a:buSzPts val="1900"/>
+              <a:buChar char="●"/>
+            </a:pPr>
+            <a:r>
+              <a:rPr lang="en" sz="1900" dirty="0"/>
+              <a:t>Playing a quest game where it has two colors</a:t>
+            </a:r>
+            <a:endParaRPr sz="1900" dirty="0"/>
+          </a:p>
+          <a:p>
+            <a:pPr marL="457200" lvl="0" indent="-349250" algn="l" rtl="0">
+              <a:spcBef>
+                <a:spcPts val="0"/>
+              </a:spcBef>
+              <a:spcAft>
+                <a:spcPts val="0"/>
+              </a:spcAft>
+              <a:buSzPts val="1900"/>
+              <a:buChar char="●"/>
+            </a:pPr>
+            <a:r>
+              <a:rPr lang="en" sz="1900" dirty="0"/>
+              <a:t>When the user touches the first color, the quest location would be ready. </a:t>
+            </a:r>
+            <a:endParaRPr sz="1900" dirty="0"/>
+          </a:p>
+          <a:p>
+            <a:pPr marL="457200" lvl="0" indent="-349250" algn="l" rtl="0">
+              <a:spcBef>
+                <a:spcPts val="0"/>
+              </a:spcBef>
+              <a:spcAft>
+                <a:spcPts val="0"/>
+              </a:spcAft>
+              <a:buSzPts val="1900"/>
+              <a:buChar char="●"/>
+            </a:pPr>
+            <a:r>
+              <a:rPr lang="en" sz="1900" dirty="0"/>
+              <a:t>And by touching the second color, the user gets information whether they have reached the quest.</a:t>
+            </a:r>
+            <a:endParaRPr sz="1900" dirty="0"/>
+          </a:p>
+          <a:p>
+            <a:pPr marL="0" lvl="0" indent="0" algn="l" rtl="0">
+              <a:spcBef>
+                <a:spcPts val="1200"/>
+              </a:spcBef>
+              <a:spcAft>
+                <a:spcPts val="0"/>
+              </a:spcAft>
+              <a:buNone/>
+            </a:pPr>
+            <a:endParaRPr dirty="0"/>
+          </a:p>
+          <a:p>
+            <a:pPr marL="0" lvl="0" indent="0" algn="l" rtl="0">
+              <a:spcBef>
+                <a:spcPts val="1200"/>
+              </a:spcBef>
+              <a:spcAft>
+                <a:spcPts val="1200"/>
+              </a:spcAft>
+              <a:buNone/>
+            </a:pPr>
+            <a:endParaRPr dirty="0"/>
+          </a:p>
+        </p:txBody>
+      </p:sp>
+    </p:spTree>
   </p:cSld>
   <p:clrMapOvr>
     <a:masterClrMapping/>
